--- a/Clase5/Presentación.pptx
+++ b/Clase5/Presentación.pptx
@@ -5,7 +5,7 @@
     <p:sldMasterId id="2147483672" r:id="rId1"/>
   </p:sldMasterIdLst>
   <p:notesMasterIdLst>
-    <p:notesMasterId r:id="rId18"/>
+    <p:notesMasterId r:id="rId20"/>
   </p:notesMasterIdLst>
   <p:sldIdLst>
     <p:sldId id="256" r:id="rId2"/>
@@ -24,6 +24,8 @@
     <p:sldId id="334" r:id="rId15"/>
     <p:sldId id="335" r:id="rId16"/>
     <p:sldId id="322" r:id="rId17"/>
+    <p:sldId id="336" r:id="rId18"/>
+    <p:sldId id="337" r:id="rId19"/>
   </p:sldIdLst>
   <p:sldSz cx="12192000" cy="6858000"/>
   <p:notesSz cx="6858000" cy="9144000"/>
@@ -212,7 +214,7 @@
           <a:p>
             <a:fld id="{430AAACB-714D-4ED6-9BCD-E10DE1E326CF}" type="datetimeFigureOut">
               <a:rPr lang="es-CO" smtClean="0"/>
-              <a:t>18/02/2019</a:t>
+              <a:t>29/08/2019</a:t>
             </a:fld>
             <a:endParaRPr lang="es-CO"/>
           </a:p>
@@ -706,7 +708,7 @@
           <a:p>
             <a:fld id="{C214C790-AC43-4046-BAB7-879940BCF0AB}" type="datetimeFigureOut">
               <a:rPr lang="es-CO" smtClean="0"/>
-              <a:t>18/02/2019</a:t>
+              <a:t>29/08/2019</a:t>
             </a:fld>
             <a:endParaRPr lang="es-CO"/>
           </a:p>
@@ -914,7 +916,7 @@
           <a:p>
             <a:fld id="{C214C790-AC43-4046-BAB7-879940BCF0AB}" type="datetimeFigureOut">
               <a:rPr lang="es-CO" smtClean="0"/>
-              <a:t>18/02/2019</a:t>
+              <a:t>29/08/2019</a:t>
             </a:fld>
             <a:endParaRPr lang="es-CO"/>
           </a:p>
@@ -1170,7 +1172,7 @@
           <a:p>
             <a:fld id="{C214C790-AC43-4046-BAB7-879940BCF0AB}" type="datetimeFigureOut">
               <a:rPr lang="es-CO" smtClean="0"/>
-              <a:t>18/02/2019</a:t>
+              <a:t>29/08/2019</a:t>
             </a:fld>
             <a:endParaRPr lang="es-CO"/>
           </a:p>
@@ -1340,7 +1342,7 @@
           <a:p>
             <a:fld id="{C214C790-AC43-4046-BAB7-879940BCF0AB}" type="datetimeFigureOut">
               <a:rPr lang="es-CO" smtClean="0"/>
-              <a:t>18/02/2019</a:t>
+              <a:t>29/08/2019</a:t>
             </a:fld>
             <a:endParaRPr lang="es-CO"/>
           </a:p>
@@ -1683,7 +1685,7 @@
           <a:p>
             <a:fld id="{C214C790-AC43-4046-BAB7-879940BCF0AB}" type="datetimeFigureOut">
               <a:rPr lang="es-CO" smtClean="0"/>
-              <a:t>18/02/2019</a:t>
+              <a:t>29/08/2019</a:t>
             </a:fld>
             <a:endParaRPr lang="es-CO"/>
           </a:p>
@@ -1958,7 +1960,7 @@
           <a:p>
             <a:fld id="{C214C790-AC43-4046-BAB7-879940BCF0AB}" type="datetimeFigureOut">
               <a:rPr lang="es-CO" smtClean="0"/>
-              <a:t>18/02/2019</a:t>
+              <a:t>29/08/2019</a:t>
             </a:fld>
             <a:endParaRPr lang="es-CO"/>
           </a:p>
@@ -2337,7 +2339,7 @@
           <a:p>
             <a:fld id="{C214C790-AC43-4046-BAB7-879940BCF0AB}" type="datetimeFigureOut">
               <a:rPr lang="es-CO" smtClean="0"/>
-              <a:t>18/02/2019</a:t>
+              <a:t>29/08/2019</a:t>
             </a:fld>
             <a:endParaRPr lang="es-CO"/>
           </a:p>
@@ -2455,7 +2457,7 @@
           <a:p>
             <a:fld id="{C214C790-AC43-4046-BAB7-879940BCF0AB}" type="datetimeFigureOut">
               <a:rPr lang="es-CO" smtClean="0"/>
-              <a:t>18/02/2019</a:t>
+              <a:t>29/08/2019</a:t>
             </a:fld>
             <a:endParaRPr lang="es-CO"/>
           </a:p>
@@ -2626,7 +2628,7 @@
           <a:p>
             <a:fld id="{C214C790-AC43-4046-BAB7-879940BCF0AB}" type="datetimeFigureOut">
               <a:rPr lang="es-CO" smtClean="0"/>
-              <a:t>18/02/2019</a:t>
+              <a:t>29/08/2019</a:t>
             </a:fld>
             <a:endParaRPr lang="es-CO"/>
           </a:p>
@@ -2980,7 +2982,7 @@
           <a:p>
             <a:fld id="{C214C790-AC43-4046-BAB7-879940BCF0AB}" type="datetimeFigureOut">
               <a:rPr lang="es-CO" smtClean="0"/>
-              <a:t>18/02/2019</a:t>
+              <a:t>29/08/2019</a:t>
             </a:fld>
             <a:endParaRPr lang="es-CO"/>
           </a:p>
@@ -3357,7 +3359,7 @@
           <a:p>
             <a:fld id="{C214C790-AC43-4046-BAB7-879940BCF0AB}" type="datetimeFigureOut">
               <a:rPr lang="es-CO" smtClean="0"/>
-              <a:t>18/02/2019</a:t>
+              <a:t>29/08/2019</a:t>
             </a:fld>
             <a:endParaRPr lang="es-CO"/>
           </a:p>
@@ -3644,7 +3646,7 @@
           <a:p>
             <a:fld id="{C214C790-AC43-4046-BAB7-879940BCF0AB}" type="datetimeFigureOut">
               <a:rPr lang="es-CO" smtClean="0"/>
-              <a:t>18/02/2019</a:t>
+              <a:t>29/08/2019</a:t>
             </a:fld>
             <a:endParaRPr lang="es-CO"/>
           </a:p>
@@ -4185,11 +4187,7 @@
           <a:p>
             <a:r>
               <a:rPr lang="es-ES" dirty="0" smtClean="0"/>
-              <a:t>Semana </a:t>
-            </a:r>
-            <a:r>
-              <a:rPr lang="es-ES" dirty="0" smtClean="0"/>
-              <a:t>5</a:t>
+              <a:t>Semana 5</a:t>
             </a:r>
             <a:endParaRPr lang="es-CO" dirty="0"/>
           </a:p>
@@ -4214,7 +4212,6 @@
               <a:rPr lang="es-ES" dirty="0" smtClean="0"/>
               <a:t>Patrón MVC</a:t>
             </a:r>
-            <a:endParaRPr lang="es-ES" dirty="0" smtClean="0"/>
           </a:p>
         </p:txBody>
       </p:sp>
@@ -5303,6 +5300,13 @@
   <p:clrMapOvr>
     <a:masterClrMapping/>
   </p:clrMapOvr>
+  <p:timing>
+    <p:tnLst>
+      <p:par>
+        <p:cTn id="1" dur="indefinite" restart="never" nodeType="tmRoot"/>
+      </p:par>
+    </p:tnLst>
+  </p:timing>
 </p:sld>
 </file>
 
@@ -5837,6 +5841,13 @@
   <p:clrMapOvr>
     <a:masterClrMapping/>
   </p:clrMapOvr>
+  <p:timing>
+    <p:tnLst>
+      <p:par>
+        <p:cTn id="1" dur="indefinite" restart="never" nodeType="tmRoot"/>
+      </p:par>
+    </p:tnLst>
+  </p:timing>
 </p:sld>
 </file>
 
@@ -7500,6 +7511,13 @@
   <p:clrMapOvr>
     <a:masterClrMapping/>
   </p:clrMapOvr>
+  <p:timing>
+    <p:tnLst>
+      <p:par>
+        <p:cTn id="1" dur="indefinite" restart="never" nodeType="tmRoot"/>
+      </p:par>
+    </p:tnLst>
+  </p:timing>
 </p:sld>
 </file>
 
@@ -7623,6 +7641,300 @@
   <p:clrMapOvr>
     <a:masterClrMapping/>
   </p:clrMapOvr>
+  <p:timing>
+    <p:tnLst>
+      <p:par>
+        <p:cTn id="1" dur="indefinite" restart="never" nodeType="tmRoot"/>
+      </p:par>
+    </p:tnLst>
+  </p:timing>
+</p:sld>
+</file>
+
+<file path=ppt/slides/slide17.xml><?xml version="1.0" encoding="utf-8"?>
+<p:sld xmlns:a="http://schemas.openxmlformats.org/drawingml/2006/main" xmlns:r="http://schemas.openxmlformats.org/officeDocument/2006/relationships" xmlns:p="http://schemas.openxmlformats.org/presentationml/2006/main">
+  <p:cSld>
+    <p:spTree>
+      <p:nvGrpSpPr>
+        <p:cNvPr id="1" name=""/>
+        <p:cNvGrpSpPr/>
+        <p:nvPr/>
+      </p:nvGrpSpPr>
+      <p:grpSpPr>
+        <a:xfrm>
+          <a:off x="0" y="0"/>
+          <a:ext cx="0" cy="0"/>
+          <a:chOff x="0" y="0"/>
+          <a:chExt cx="0" cy="0"/>
+        </a:xfrm>
+      </p:grpSpPr>
+      <p:sp>
+        <p:nvSpPr>
+          <p:cNvPr id="2" name="Título 1"/>
+          <p:cNvSpPr>
+            <a:spLocks noGrp="1"/>
+          </p:cNvSpPr>
+          <p:nvPr>
+            <p:ph type="title"/>
+          </p:nvPr>
+        </p:nvSpPr>
+        <p:spPr/>
+        <p:txBody>
+          <a:bodyPr/>
+          <a:lstStyle/>
+          <a:p>
+            <a:r>
+              <a:rPr lang="es-ES" dirty="0" smtClean="0"/>
+              <a:t>TALLER EN CLASE</a:t>
+            </a:r>
+            <a:endParaRPr lang="es-CO" dirty="0"/>
+          </a:p>
+        </p:txBody>
+      </p:sp>
+      <p:sp>
+        <p:nvSpPr>
+          <p:cNvPr id="3" name="Marcador de contenido 2"/>
+          <p:cNvSpPr>
+            <a:spLocks noGrp="1"/>
+          </p:cNvSpPr>
+          <p:nvPr>
+            <p:ph idx="1"/>
+          </p:nvPr>
+        </p:nvSpPr>
+        <p:spPr/>
+        <p:txBody>
+          <a:bodyPr>
+            <a:normAutofit/>
+          </a:bodyPr>
+          <a:lstStyle/>
+          <a:p>
+            <a:r>
+              <a:rPr lang="es-ES" dirty="0" smtClean="0"/>
+              <a:t>En </a:t>
+            </a:r>
+            <a:r>
+              <a:rPr lang="es-ES" b="1" dirty="0" smtClean="0"/>
+              <a:t>parejas</a:t>
+            </a:r>
+            <a:r>
+              <a:rPr lang="es-ES" dirty="0" smtClean="0"/>
+              <a:t> </a:t>
+            </a:r>
+            <a:r>
+              <a:rPr lang="es-ES" dirty="0" err="1" smtClean="0"/>
+              <a:t>desarolle</a:t>
+            </a:r>
+            <a:r>
+              <a:rPr lang="es-ES" dirty="0" smtClean="0"/>
+              <a:t> un chat MVC en el que incluya las siguientes características:</a:t>
+            </a:r>
+          </a:p>
+          <a:p>
+            <a:r>
+              <a:rPr lang="es-ES" dirty="0" smtClean="0"/>
+              <a:t>1. Identificación del usuario: cuando haya una conexión, la contraparte se presenta y de esa forma podemos saber su nombre, apellido y código de la universidad.</a:t>
+            </a:r>
+          </a:p>
+          <a:p>
+            <a:endParaRPr lang="es-ES" dirty="0"/>
+          </a:p>
+          <a:p>
+            <a:r>
+              <a:rPr lang="es-ES" dirty="0" smtClean="0"/>
+              <a:t>2. La información del usuario debe ser preguntada por un ventana inicial, antes de establecer la conexión. (Pueden reutilizar la ventana de </a:t>
+            </a:r>
+            <a:r>
+              <a:rPr lang="es-ES" dirty="0" err="1" smtClean="0"/>
+              <a:t>Login</a:t>
+            </a:r>
+            <a:r>
+              <a:rPr lang="es-ES" dirty="0" smtClean="0"/>
+              <a:t>)</a:t>
+            </a:r>
+          </a:p>
+          <a:p>
+            <a:endParaRPr lang="es-ES" dirty="0"/>
+          </a:p>
+          <a:p>
+            <a:r>
+              <a:rPr lang="es-ES" dirty="0" smtClean="0"/>
+              <a:t>3. Cuando la conexión se establece, ambas partes de la conexión (cliente y servidor) saben con qué usuario están hablando. Mediante una indicación gráfica, cada ventana muestra información de la persona con la que se está hablando. Pueden usar el título de la ventana o un </a:t>
+            </a:r>
+            <a:r>
+              <a:rPr lang="es-ES" dirty="0" err="1" smtClean="0"/>
+              <a:t>label</a:t>
+            </a:r>
+            <a:r>
+              <a:rPr lang="es-ES" dirty="0" smtClean="0"/>
+              <a:t> en la ventana de Chat.</a:t>
+            </a:r>
+          </a:p>
+        </p:txBody>
+      </p:sp>
+    </p:spTree>
+    <p:extLst>
+      <p:ext uri="{BB962C8B-B14F-4D97-AF65-F5344CB8AC3E}">
+        <p14:creationId xmlns:p14="http://schemas.microsoft.com/office/powerpoint/2010/main" val="3475508105"/>
+      </p:ext>
+    </p:extLst>
+  </p:cSld>
+  <p:clrMapOvr>
+    <a:masterClrMapping/>
+  </p:clrMapOvr>
+  <p:timing>
+    <p:tnLst>
+      <p:par>
+        <p:cTn id="1" dur="indefinite" restart="never" nodeType="tmRoot"/>
+      </p:par>
+    </p:tnLst>
+  </p:timing>
+</p:sld>
+</file>
+
+<file path=ppt/slides/slide18.xml><?xml version="1.0" encoding="utf-8"?>
+<p:sld xmlns:a="http://schemas.openxmlformats.org/drawingml/2006/main" xmlns:r="http://schemas.openxmlformats.org/officeDocument/2006/relationships" xmlns:p="http://schemas.openxmlformats.org/presentationml/2006/main">
+  <p:cSld>
+    <p:spTree>
+      <p:nvGrpSpPr>
+        <p:cNvPr id="1" name=""/>
+        <p:cNvGrpSpPr/>
+        <p:nvPr/>
+      </p:nvGrpSpPr>
+      <p:grpSpPr>
+        <a:xfrm>
+          <a:off x="0" y="0"/>
+          <a:ext cx="0" cy="0"/>
+          <a:chOff x="0" y="0"/>
+          <a:chExt cx="0" cy="0"/>
+        </a:xfrm>
+      </p:grpSpPr>
+      <p:sp>
+        <p:nvSpPr>
+          <p:cNvPr id="2" name="Título 1"/>
+          <p:cNvSpPr>
+            <a:spLocks noGrp="1"/>
+          </p:cNvSpPr>
+          <p:nvPr>
+            <p:ph type="title"/>
+          </p:nvPr>
+        </p:nvSpPr>
+        <p:spPr/>
+        <p:txBody>
+          <a:bodyPr/>
+          <a:lstStyle/>
+          <a:p>
+            <a:r>
+              <a:rPr lang="es-ES" dirty="0" smtClean="0"/>
+              <a:t>TALLER EN CLASE</a:t>
+            </a:r>
+            <a:endParaRPr lang="es-CO" dirty="0"/>
+          </a:p>
+        </p:txBody>
+      </p:sp>
+      <p:sp>
+        <p:nvSpPr>
+          <p:cNvPr id="3" name="Marcador de contenido 2"/>
+          <p:cNvSpPr>
+            <a:spLocks noGrp="1"/>
+          </p:cNvSpPr>
+          <p:nvPr>
+            <p:ph idx="1"/>
+          </p:nvPr>
+        </p:nvSpPr>
+        <p:spPr/>
+        <p:txBody>
+          <a:bodyPr>
+            <a:normAutofit lnSpcReduction="10000"/>
+          </a:bodyPr>
+          <a:lstStyle/>
+          <a:p>
+            <a:r>
+              <a:rPr lang="es-ES" dirty="0" smtClean="0"/>
+              <a:t>4. Cada mensaje que se envíe, debe hacerse usando un modelo de mensaje que tenga información de quién lo envía (Objeto Usuario), quién lo recibe (Objeto Usuario), el cuerpo del mensaje y la fecha y hora exacta de creación del mensaje. Gráficamente, el controlador debe </a:t>
+            </a:r>
+            <a:r>
+              <a:rPr lang="es-ES" dirty="0" err="1" smtClean="0"/>
+              <a:t>renderizar</a:t>
+            </a:r>
+            <a:r>
+              <a:rPr lang="es-ES" dirty="0" smtClean="0"/>
+              <a:t> el mensaje estilo:</a:t>
+            </a:r>
+          </a:p>
+          <a:p>
+            <a:endParaRPr lang="es-ES" sz="1600" b="1" dirty="0" smtClean="0">
+              <a:latin typeface="Arial" panose="020B0604020202020204" pitchFamily="34" charset="0"/>
+              <a:cs typeface="Arial" panose="020B0604020202020204" pitchFamily="34" charset="0"/>
+            </a:endParaRPr>
+          </a:p>
+          <a:p>
+            <a:r>
+              <a:rPr lang="es-ES" sz="1600" b="1" dirty="0" smtClean="0">
+                <a:latin typeface="Arial" panose="020B0604020202020204" pitchFamily="34" charset="0"/>
+                <a:cs typeface="Arial" panose="020B0604020202020204" pitchFamily="34" charset="0"/>
+              </a:rPr>
+              <a:t>(2019-08-29 11:01) Domiciano dice:</a:t>
+            </a:r>
+          </a:p>
+          <a:p>
+            <a:r>
+              <a:rPr lang="es-ES" sz="1600" b="1" dirty="0" smtClean="0">
+                <a:latin typeface="Arial" panose="020B0604020202020204" pitchFamily="34" charset="0"/>
+                <a:cs typeface="Arial" panose="020B0604020202020204" pitchFamily="34" charset="0"/>
+              </a:rPr>
+              <a:t>Hola, ¿como estas?</a:t>
+            </a:r>
+          </a:p>
+          <a:p>
+            <a:endParaRPr lang="es-ES" dirty="0" smtClean="0"/>
+          </a:p>
+          <a:p>
+            <a:r>
+              <a:rPr lang="es-ES" dirty="0" smtClean="0"/>
+              <a:t>5. Toda la </a:t>
+            </a:r>
+            <a:r>
+              <a:rPr lang="es-ES" dirty="0" err="1" smtClean="0"/>
+              <a:t>serialización</a:t>
+            </a:r>
+            <a:r>
+              <a:rPr lang="es-ES" dirty="0" smtClean="0"/>
+              <a:t> debe hacerse usando JSON</a:t>
+            </a:r>
+          </a:p>
+          <a:p>
+            <a:endParaRPr lang="es-ES" dirty="0"/>
+          </a:p>
+          <a:p>
+            <a:r>
+              <a:rPr lang="es-ES" b="1" dirty="0" smtClean="0"/>
+              <a:t>NOTA</a:t>
+            </a:r>
+            <a:r>
+              <a:rPr lang="es-ES" b="1" dirty="0"/>
+              <a:t>: Es una buena práctica incluir un identificador para cada MODELO.</a:t>
+            </a:r>
+            <a:endParaRPr lang="es-CO" b="1" dirty="0"/>
+          </a:p>
+        </p:txBody>
+      </p:sp>
+    </p:spTree>
+    <p:extLst>
+      <p:ext uri="{BB962C8B-B14F-4D97-AF65-F5344CB8AC3E}">
+        <p14:creationId xmlns:p14="http://schemas.microsoft.com/office/powerpoint/2010/main" val="2878769521"/>
+      </p:ext>
+    </p:extLst>
+  </p:cSld>
+  <p:clrMapOvr>
+    <a:masterClrMapping/>
+  </p:clrMapOvr>
+  <p:timing>
+    <p:tnLst>
+      <p:par>
+        <p:cTn id="1" dur="indefinite" restart="never" nodeType="tmRoot"/>
+      </p:par>
+    </p:tnLst>
+  </p:timing>
 </p:sld>
 </file>
 
@@ -8218,6 +8530,13 @@
   <p:clrMapOvr>
     <a:masterClrMapping/>
   </p:clrMapOvr>
+  <p:timing>
+    <p:tnLst>
+      <p:par>
+        <p:cTn id="1" dur="indefinite" restart="never" nodeType="tmRoot"/>
+      </p:par>
+    </p:tnLst>
+  </p:timing>
 </p:sld>
 </file>
 
@@ -8809,6 +9128,13 @@
   <p:clrMapOvr>
     <a:masterClrMapping/>
   </p:clrMapOvr>
+  <p:timing>
+    <p:tnLst>
+      <p:par>
+        <p:cTn id="1" dur="indefinite" restart="never" nodeType="tmRoot"/>
+      </p:par>
+    </p:tnLst>
+  </p:timing>
 </p:sld>
 </file>
 
@@ -10933,6 +11259,13 @@
   <p:clrMapOvr>
     <a:masterClrMapping/>
   </p:clrMapOvr>
+  <p:timing>
+    <p:tnLst>
+      <p:par>
+        <p:cTn id="1" dur="indefinite" restart="never" nodeType="tmRoot"/>
+      </p:par>
+    </p:tnLst>
+  </p:timing>
 </p:sld>
 </file>
 
